--- a/misc/VdR_logo.pptx
+++ b/misc/VdR_logo.pptx
@@ -6,6 +6,8 @@
   </p:sldMasterIdLst>
   <p:sldIdLst>
     <p:sldId id="256" r:id="rId2"/>
+    <p:sldId id="257" r:id="rId3"/>
+    <p:sldId id="258" r:id="rId4"/>
   </p:sldIdLst>
   <p:sldSz cx="12192000" cy="6858000"/>
   <p:notesSz cx="6858000" cy="9144000"/>
@@ -104,6 +106,11 @@
       </a:defRPr>
     </a:lvl9pPr>
   </p:defaultTextStyle>
+  <p:extLst>
+    <p:ext uri="{EFAFB233-063F-42B5-8137-9DF3F51BA10A}">
+      <p15:sldGuideLst xmlns:p15="http://schemas.microsoft.com/office/powerpoint/2012/main"/>
+    </p:ext>
+  </p:extLst>
 </p:presentation>
 </file>
 
@@ -3410,6 +3417,290 @@
     <p:extLst>
       <p:ext uri="{BB962C8B-B14F-4D97-AF65-F5344CB8AC3E}">
         <p14:creationId xmlns:p14="http://schemas.microsoft.com/office/powerpoint/2010/main" val="683521449"/>
+      </p:ext>
+    </p:extLst>
+  </p:cSld>
+  <p:clrMapOvr>
+    <a:masterClrMapping/>
+  </p:clrMapOvr>
+</p:sld>
+</file>
+
+<file path=ppt/slides/slide2.xml><?xml version="1.0" encoding="utf-8"?>
+<p:sld xmlns:a="http://schemas.openxmlformats.org/drawingml/2006/main" xmlns:r="http://schemas.openxmlformats.org/officeDocument/2006/relationships" xmlns:p="http://schemas.openxmlformats.org/presentationml/2006/main">
+  <p:cSld>
+    <p:spTree>
+      <p:nvGrpSpPr>
+        <p:cNvPr id="1" name="">
+          <a:extLst>
+            <a:ext uri="{FF2B5EF4-FFF2-40B4-BE49-F238E27FC236}">
+              <a16:creationId xmlns:a16="http://schemas.microsoft.com/office/drawing/2014/main" id="{E1F65831-3FA3-DC3D-BD41-DC17F0DE58C9}"/>
+            </a:ext>
+          </a:extLst>
+        </p:cNvPr>
+        <p:cNvGrpSpPr/>
+        <p:nvPr/>
+      </p:nvGrpSpPr>
+      <p:grpSpPr>
+        <a:xfrm>
+          <a:off x="0" y="0"/>
+          <a:ext cx="0" cy="0"/>
+          <a:chOff x="0" y="0"/>
+          <a:chExt cx="0" cy="0"/>
+        </a:xfrm>
+      </p:grpSpPr>
+      <p:sp>
+        <p:nvSpPr>
+          <p:cNvPr id="4" name="Rounded Rectangle 3">
+            <a:extLst>
+              <a:ext uri="{FF2B5EF4-FFF2-40B4-BE49-F238E27FC236}">
+                <a16:creationId xmlns:a16="http://schemas.microsoft.com/office/drawing/2014/main" id="{BDE48A47-65C8-CE59-027B-B267B6A4EC59}"/>
+              </a:ext>
+            </a:extLst>
+          </p:cNvPr>
+          <p:cNvSpPr/>
+          <p:nvPr/>
+        </p:nvSpPr>
+        <p:spPr>
+          <a:xfrm>
+            <a:off x="2207171" y="1737598"/>
+            <a:ext cx="8246798" cy="4329569"/>
+          </a:xfrm>
+          <a:prstGeom prst="roundRect">
+            <a:avLst>
+              <a:gd name="adj" fmla="val 1344"/>
+            </a:avLst>
+          </a:prstGeom>
+          <a:solidFill>
+            <a:srgbClr val="0F243F"/>
+          </a:solidFill>
+          <a:ln>
+            <a:noFill/>
+          </a:ln>
+        </p:spPr>
+        <p:style>
+          <a:lnRef idx="2">
+            <a:schemeClr val="accent1">
+              <a:shade val="15000"/>
+            </a:schemeClr>
+          </a:lnRef>
+          <a:fillRef idx="1">
+            <a:schemeClr val="accent1"/>
+          </a:fillRef>
+          <a:effectRef idx="0">
+            <a:schemeClr val="accent1"/>
+          </a:effectRef>
+          <a:fontRef idx="minor">
+            <a:schemeClr val="lt1"/>
+          </a:fontRef>
+        </p:style>
+        <p:txBody>
+          <a:bodyPr rtlCol="0" anchor="ctr"/>
+          <a:lstStyle/>
+          <a:p>
+            <a:pPr algn="ctr"/>
+            <a:endParaRPr lang="en-GB"/>
+          </a:p>
+        </p:txBody>
+      </p:sp>
+      <p:pic>
+        <p:nvPicPr>
+          <p:cNvPr id="6" name="Picture 5">
+            <a:extLst>
+              <a:ext uri="{FF2B5EF4-FFF2-40B4-BE49-F238E27FC236}">
+                <a16:creationId xmlns:a16="http://schemas.microsoft.com/office/drawing/2014/main" id="{27EC9477-02FD-93C5-7D48-A40931CF7B84}"/>
+              </a:ext>
+            </a:extLst>
+          </p:cNvPr>
+          <p:cNvPicPr>
+            <a:picLocks noChangeAspect="1"/>
+          </p:cNvPicPr>
+          <p:nvPr/>
+        </p:nvPicPr>
+        <p:blipFill>
+          <a:blip r:embed="rId2"/>
+          <a:srcRect l="4159" t="6794" r="7792" b="6129"/>
+          <a:stretch>
+            <a:fillRect/>
+          </a:stretch>
+        </p:blipFill>
+        <p:spPr>
+          <a:xfrm>
+            <a:off x="3378247" y="1884206"/>
+            <a:ext cx="5707359" cy="4085779"/>
+          </a:xfrm>
+          <a:prstGeom prst="rect">
+            <a:avLst/>
+          </a:prstGeom>
+        </p:spPr>
+      </p:pic>
+      <p:sp>
+        <p:nvSpPr>
+          <p:cNvPr id="3" name="TextBox 2">
+            <a:extLst>
+              <a:ext uri="{FF2B5EF4-FFF2-40B4-BE49-F238E27FC236}">
+                <a16:creationId xmlns:a16="http://schemas.microsoft.com/office/drawing/2014/main" id="{83E01723-8359-8DE3-8F47-DFF64DC81D39}"/>
+              </a:ext>
+            </a:extLst>
+          </p:cNvPr>
+          <p:cNvSpPr txBox="1"/>
+          <p:nvPr/>
+        </p:nvSpPr>
+        <p:spPr>
+          <a:xfrm>
+            <a:off x="3153104" y="515399"/>
+            <a:ext cx="6096000" cy="369332"/>
+          </a:xfrm>
+          <a:prstGeom prst="rect">
+            <a:avLst/>
+          </a:prstGeom>
+          <a:noFill/>
+        </p:spPr>
+        <p:txBody>
+          <a:bodyPr wrap="square">
+            <a:spAutoFit/>
+          </a:bodyPr>
+          <a:lstStyle/>
+          <a:p>
+            <a:pPr>
+              <a:buNone/>
+            </a:pPr>
+            <a:r>
+              <a:rPr lang="en-IE" dirty="0">
+                <a:solidFill>
+                  <a:srgbClr val="000000"/>
+                </a:solidFill>
+                <a:effectLst/>
+                <a:latin typeface="Menlo" panose="020B0609030804020204" pitchFamily="49" charset="0"/>
+              </a:rPr>
+              <a:t>1200x630</a:t>
+            </a:r>
+          </a:p>
+        </p:txBody>
+      </p:sp>
+    </p:spTree>
+    <p:extLst>
+      <p:ext uri="{BB962C8B-B14F-4D97-AF65-F5344CB8AC3E}">
+        <p14:creationId xmlns:p14="http://schemas.microsoft.com/office/powerpoint/2010/main" val="3588029327"/>
+      </p:ext>
+    </p:extLst>
+  </p:cSld>
+  <p:clrMapOvr>
+    <a:masterClrMapping/>
+  </p:clrMapOvr>
+</p:sld>
+</file>
+
+<file path=ppt/slides/slide3.xml><?xml version="1.0" encoding="utf-8"?>
+<p:sld xmlns:a="http://schemas.openxmlformats.org/drawingml/2006/main" xmlns:r="http://schemas.openxmlformats.org/officeDocument/2006/relationships" xmlns:p="http://schemas.openxmlformats.org/presentationml/2006/main">
+  <p:cSld>
+    <p:spTree>
+      <p:nvGrpSpPr>
+        <p:cNvPr id="1" name="">
+          <a:extLst>
+            <a:ext uri="{FF2B5EF4-FFF2-40B4-BE49-F238E27FC236}">
+              <a16:creationId xmlns:a16="http://schemas.microsoft.com/office/drawing/2014/main" id="{5C08E236-F7EC-5C5A-31FF-F018170D81CD}"/>
+            </a:ext>
+          </a:extLst>
+        </p:cNvPr>
+        <p:cNvGrpSpPr/>
+        <p:nvPr/>
+      </p:nvGrpSpPr>
+      <p:grpSpPr>
+        <a:xfrm>
+          <a:off x="0" y="0"/>
+          <a:ext cx="0" cy="0"/>
+          <a:chOff x="0" y="0"/>
+          <a:chExt cx="0" cy="0"/>
+        </a:xfrm>
+      </p:grpSpPr>
+      <p:sp>
+        <p:nvSpPr>
+          <p:cNvPr id="2" name="Oval 1">
+            <a:extLst>
+              <a:ext uri="{FF2B5EF4-FFF2-40B4-BE49-F238E27FC236}">
+                <a16:creationId xmlns:a16="http://schemas.microsoft.com/office/drawing/2014/main" id="{39858C0A-1F43-ECB1-7BC5-B2BF19D8216E}"/>
+              </a:ext>
+            </a:extLst>
+          </p:cNvPr>
+          <p:cNvSpPr/>
+          <p:nvPr/>
+        </p:nvSpPr>
+        <p:spPr>
+          <a:xfrm>
+            <a:off x="3150973" y="753762"/>
+            <a:ext cx="5239265" cy="5239265"/>
+          </a:xfrm>
+          <a:prstGeom prst="ellipse">
+            <a:avLst/>
+          </a:prstGeom>
+          <a:solidFill>
+            <a:schemeClr val="tx1"/>
+          </a:solidFill>
+          <a:ln>
+            <a:noFill/>
+          </a:ln>
+        </p:spPr>
+        <p:style>
+          <a:lnRef idx="2">
+            <a:schemeClr val="accent1">
+              <a:shade val="15000"/>
+            </a:schemeClr>
+          </a:lnRef>
+          <a:fillRef idx="1">
+            <a:schemeClr val="accent1"/>
+          </a:fillRef>
+          <a:effectRef idx="0">
+            <a:schemeClr val="accent1"/>
+          </a:effectRef>
+          <a:fontRef idx="minor">
+            <a:schemeClr val="lt1"/>
+          </a:fontRef>
+        </p:style>
+        <p:txBody>
+          <a:bodyPr rtlCol="0" anchor="ctr"/>
+          <a:lstStyle/>
+          <a:p>
+            <a:pPr algn="ctr"/>
+            <a:endParaRPr lang="en-GB"/>
+          </a:p>
+        </p:txBody>
+      </p:sp>
+      <p:pic>
+        <p:nvPicPr>
+          <p:cNvPr id="7" name="Picture 6" descr="A white letter on a black background&#10;&#10;AI-generated content may be incorrect.">
+            <a:extLst>
+              <a:ext uri="{FF2B5EF4-FFF2-40B4-BE49-F238E27FC236}">
+                <a16:creationId xmlns:a16="http://schemas.microsoft.com/office/drawing/2014/main" id="{692ACCF0-4A3B-25AA-28C3-60E8EC63622F}"/>
+              </a:ext>
+            </a:extLst>
+          </p:cNvPr>
+          <p:cNvPicPr>
+            <a:picLocks noChangeAspect="1"/>
+          </p:cNvPicPr>
+          <p:nvPr/>
+        </p:nvPicPr>
+        <p:blipFill>
+          <a:blip r:embed="rId2"/>
+          <a:srcRect l="2296" t="15306" r="3061" b="21939"/>
+          <a:stretch>
+            <a:fillRect/>
+          </a:stretch>
+        </p:blipFill>
+        <p:spPr>
+          <a:xfrm>
+            <a:off x="3411557" y="1896761"/>
+            <a:ext cx="4584357" cy="3039763"/>
+          </a:xfrm>
+          <a:prstGeom prst="rect">
+            <a:avLst/>
+          </a:prstGeom>
+        </p:spPr>
+      </p:pic>
+    </p:spTree>
+    <p:extLst>
+      <p:ext uri="{BB962C8B-B14F-4D97-AF65-F5344CB8AC3E}">
+        <p14:creationId xmlns:p14="http://schemas.microsoft.com/office/powerpoint/2010/main" val="1853062745"/>
       </p:ext>
     </p:extLst>
   </p:cSld>
